--- a/listas.pptx
+++ b/listas.pptx
@@ -228,7 +228,7 @@
                   <a:srgbClr val="88398A"/>
                 </a:solidFill>
               </a:rPr>
-              <a:t>20/2/20</a:t>
+              <a:t>28/2/20</a:t>
             </a:fld>
             <a:endParaRPr lang="es-ES">
               <a:solidFill>
@@ -406,7 +406,7 @@
           <a:p>
             <a:fld id="{2F61076B-4D56-2B4C-980E-508A4572FFAD}" type="datetimeFigureOut">
               <a:rPr lang="es-ES" smtClean="0"/>
-              <a:t>20/2/20</a:t>
+              <a:t>28/2/20</a:t>
             </a:fld>
             <a:endParaRPr lang="es-ES"/>
           </a:p>
@@ -878,7 +878,7 @@
           <a:p>
             <a:fld id="{4CDF56AE-D209-5044-94D3-73D0BF593F22}" type="datetime1">
               <a:rPr lang="es-MX" smtClean="0"/>
-              <a:t>20/02/20</a:t>
+              <a:t>28/02/20</a:t>
             </a:fld>
             <a:endParaRPr lang="es-ES" dirty="0"/>
           </a:p>
@@ -1189,7 +1189,7 @@
           <a:p>
             <a:fld id="{41E05DCA-1692-7445-8127-9BA0B7B9A0C2}" type="datetime1">
               <a:rPr lang="es-MX" smtClean="0"/>
-              <a:t>20/02/20</a:t>
+              <a:t>28/02/20</a:t>
             </a:fld>
             <a:endParaRPr lang="es-ES" dirty="0"/>
           </a:p>
@@ -1596,7 +1596,7 @@
           <a:p>
             <a:fld id="{43479049-C9EF-5A4A-A894-D0E25FE89147}" type="datetime1">
               <a:rPr lang="es-MX" smtClean="0"/>
-              <a:t>20/02/20</a:t>
+              <a:t>28/02/20</a:t>
             </a:fld>
             <a:endParaRPr lang="es-ES"/>
           </a:p>
@@ -1968,7 +1968,7 @@
           <a:p>
             <a:fld id="{882CDB87-A7E4-5246-AE71-6BAB3D08DF0F}" type="datetime1">
               <a:rPr lang="es-MX" smtClean="0"/>
-              <a:t>20/02/20</a:t>
+              <a:t>28/02/20</a:t>
             </a:fld>
             <a:endParaRPr lang="es-ES"/>
           </a:p>
@@ -2599,7 +2599,7 @@
           <a:p>
             <a:fld id="{0E7D193F-10F8-D54A-94DA-8EC37C8442FE}" type="datetime1">
               <a:rPr lang="es-MX" smtClean="0"/>
-              <a:t>20/02/20</a:t>
+              <a:t>28/02/20</a:t>
             </a:fld>
             <a:endParaRPr lang="es-ES" dirty="0"/>
           </a:p>
@@ -2852,7 +2852,7 @@
           <a:p>
             <a:fld id="{0823AAAE-853B-194D-BFA8-4E47EE4B24C6}" type="datetime1">
               <a:rPr lang="es-MX" smtClean="0"/>
-              <a:t>20/02/20</a:t>
+              <a:t>28/02/20</a:t>
             </a:fld>
             <a:endParaRPr lang="es-ES" dirty="0"/>
           </a:p>
@@ -3106,7 +3106,7 @@
           <a:p>
             <a:fld id="{EB2E45B5-9835-F641-8ED8-2EE7181AE791}" type="datetime1">
               <a:rPr lang="es-MX" smtClean="0"/>
-              <a:t>20/02/20</a:t>
+              <a:t>28/02/20</a:t>
             </a:fld>
             <a:endParaRPr lang="es-ES"/>
           </a:p>
@@ -3337,7 +3337,7 @@
           <a:p>
             <a:fld id="{1E640885-9AEC-3F4E-B5D8-60A8AC58987F}" type="datetime1">
               <a:rPr lang="es-MX" smtClean="0"/>
-              <a:t>20/02/20</a:t>
+              <a:t>28/02/20</a:t>
             </a:fld>
             <a:endParaRPr lang="es-ES" dirty="0"/>
           </a:p>
@@ -3703,7 +3703,12 @@
             <p:ph type="subTitle" idx="1"/>
           </p:nvPr>
         </p:nvSpPr>
-        <p:spPr/>
+        <p:spPr>
+          <a:xfrm>
+            <a:off x="1371600" y="3886200"/>
+            <a:ext cx="6400800" cy="743673"/>
+          </a:xfrm>
+        </p:spPr>
         <p:txBody>
           <a:bodyPr/>
           <a:lstStyle/>
@@ -3732,7 +3737,7 @@
           <a:p>
             <a:fld id="{B24517EA-784E-8144-8292-407DC353FDE5}" type="datetime1">
               <a:rPr lang="es-MX" smtClean="0"/>
-              <a:t>20/02/20</a:t>
+              <a:t>28/02/20</a:t>
             </a:fld>
             <a:endParaRPr lang="es-ES" dirty="0"/>
           </a:p>
@@ -3759,6 +3764,104 @@
               <a:t>1</a:t>
             </a:fld>
             <a:endParaRPr lang="es-ES" dirty="0"/>
+          </a:p>
+        </p:txBody>
+      </p:sp>
+      <p:pic>
+        <p:nvPicPr>
+          <p:cNvPr id="6" name="Imagen 5">
+            <a:extLst>
+              <a:ext uri="{FF2B5EF4-FFF2-40B4-BE49-F238E27FC236}">
+                <a16:creationId xmlns:a16="http://schemas.microsoft.com/office/drawing/2014/main" id="{D876B128-577A-C844-B2B0-6211EAE523E5}"/>
+              </a:ext>
+            </a:extLst>
+          </p:cNvPr>
+          <p:cNvPicPr>
+            <a:picLocks noChangeAspect="1"/>
+          </p:cNvPicPr>
+          <p:nvPr/>
+        </p:nvPicPr>
+        <p:blipFill rotWithShape="1">
+          <a:blip r:embed="rId2"/>
+          <a:srcRect l="50000" t="7142" b="15251"/>
+          <a:stretch/>
+        </p:blipFill>
+        <p:spPr>
+          <a:xfrm>
+            <a:off x="3798425" y="4762400"/>
+            <a:ext cx="399053" cy="382001"/>
+          </a:xfrm>
+          <a:prstGeom prst="rect">
+            <a:avLst/>
+          </a:prstGeom>
+        </p:spPr>
+      </p:pic>
+      <p:sp>
+        <p:nvSpPr>
+          <p:cNvPr id="7" name="CuadroTexto 6">
+            <a:extLst>
+              <a:ext uri="{FF2B5EF4-FFF2-40B4-BE49-F238E27FC236}">
+                <a16:creationId xmlns:a16="http://schemas.microsoft.com/office/drawing/2014/main" id="{5D43AB33-2111-8541-A6A1-4CB81F40725D}"/>
+              </a:ext>
+            </a:extLst>
+          </p:cNvPr>
+          <p:cNvSpPr txBox="1"/>
+          <p:nvPr/>
+        </p:nvSpPr>
+        <p:spPr>
+          <a:xfrm>
+            <a:off x="4140017" y="4775069"/>
+            <a:ext cx="1613013" cy="369332"/>
+          </a:xfrm>
+          <a:prstGeom prst="rect">
+            <a:avLst/>
+          </a:prstGeom>
+          <a:noFill/>
+        </p:spPr>
+        <p:txBody>
+          <a:bodyPr wrap="square" rtlCol="0">
+            <a:spAutoFit/>
+          </a:bodyPr>
+          <a:lstStyle/>
+          <a:p>
+            <a:r>
+              <a:rPr lang="es-MX" dirty="0"/>
+              <a:t>@josschavezf1</a:t>
+            </a:r>
+          </a:p>
+        </p:txBody>
+      </p:sp>
+      <p:sp>
+        <p:nvSpPr>
+          <p:cNvPr id="8" name="Rectángulo 7">
+            <a:extLst>
+              <a:ext uri="{FF2B5EF4-FFF2-40B4-BE49-F238E27FC236}">
+                <a16:creationId xmlns:a16="http://schemas.microsoft.com/office/drawing/2014/main" id="{1D836230-0B3A-3F48-BA4B-CC1858EDB2E6}"/>
+              </a:ext>
+            </a:extLst>
+          </p:cNvPr>
+          <p:cNvSpPr/>
+          <p:nvPr/>
+        </p:nvSpPr>
+        <p:spPr>
+          <a:xfrm>
+            <a:off x="3448639" y="5446358"/>
+            <a:ext cx="2619948" cy="369332"/>
+          </a:xfrm>
+          <a:prstGeom prst="rect">
+            <a:avLst/>
+          </a:prstGeom>
+        </p:spPr>
+        <p:txBody>
+          <a:bodyPr wrap="none">
+            <a:spAutoFit/>
+          </a:bodyPr>
+          <a:lstStyle/>
+          <a:p>
+            <a:r>
+              <a:rPr lang="es-MX" dirty="0"/>
+              <a:t>rebrand.ly/listas-live-code</a:t>
+            </a:r>
           </a:p>
         </p:txBody>
       </p:sp>
@@ -3849,7 +3952,7 @@
           <a:p>
             <a:fld id="{41E05DCA-1692-7445-8127-9BA0B7B9A0C2}" type="datetime1">
               <a:rPr lang="es-MX" smtClean="0"/>
-              <a:t>20/02/20</a:t>
+              <a:t>28/02/20</a:t>
             </a:fld>
             <a:endParaRPr lang="es-ES" dirty="0"/>
           </a:p>
@@ -4046,7 +4149,7 @@
           <a:p>
             <a:fld id="{41E05DCA-1692-7445-8127-9BA0B7B9A0C2}" type="datetime1">
               <a:rPr lang="es-MX" smtClean="0"/>
-              <a:t>20/02/20</a:t>
+              <a:t>28/02/20</a:t>
             </a:fld>
             <a:endParaRPr lang="es-ES" dirty="0"/>
           </a:p>
@@ -4259,7 +4362,7 @@
           <a:p>
             <a:fld id="{41E05DCA-1692-7445-8127-9BA0B7B9A0C2}" type="datetime1">
               <a:rPr lang="es-MX" smtClean="0"/>
-              <a:t>20/02/20</a:t>
+              <a:t>28/02/20</a:t>
             </a:fld>
             <a:endParaRPr lang="es-ES" dirty="0"/>
           </a:p>
@@ -4439,7 +4542,7 @@
           <a:p>
             <a:fld id="{41E05DCA-1692-7445-8127-9BA0B7B9A0C2}" type="datetime1">
               <a:rPr lang="es-MX" smtClean="0"/>
-              <a:t>20/02/20</a:t>
+              <a:t>28/02/20</a:t>
             </a:fld>
             <a:endParaRPr lang="es-ES" dirty="0"/>
           </a:p>
@@ -4614,7 +4717,7 @@
           <a:p>
             <a:fld id="{41E05DCA-1692-7445-8127-9BA0B7B9A0C2}" type="datetime1">
               <a:rPr lang="es-MX" smtClean="0"/>
-              <a:t>20/02/20</a:t>
+              <a:t>28/02/20</a:t>
             </a:fld>
             <a:endParaRPr lang="es-ES" dirty="0"/>
           </a:p>
@@ -4795,7 +4898,7 @@
           <a:p>
             <a:fld id="{41E05DCA-1692-7445-8127-9BA0B7B9A0C2}" type="datetime1">
               <a:rPr lang="es-MX" smtClean="0"/>
-              <a:t>20/02/20</a:t>
+              <a:t>28/02/20</a:t>
             </a:fld>
             <a:endParaRPr lang="es-ES" dirty="0"/>
           </a:p>
@@ -4912,7 +5015,7 @@
           <a:p>
             <a:fld id="{41E05DCA-1692-7445-8127-9BA0B7B9A0C2}" type="datetime1">
               <a:rPr lang="es-MX" smtClean="0"/>
-              <a:t>20/02/20</a:t>
+              <a:t>28/02/20</a:t>
             </a:fld>
             <a:endParaRPr lang="es-ES" dirty="0"/>
           </a:p>
@@ -5174,7 +5277,7 @@
           <a:p>
             <a:fld id="{41E05DCA-1692-7445-8127-9BA0B7B9A0C2}" type="datetime1">
               <a:rPr lang="es-MX" smtClean="0"/>
-              <a:t>20/02/20</a:t>
+              <a:t>28/02/20</a:t>
             </a:fld>
             <a:endParaRPr lang="es-ES" dirty="0"/>
           </a:p>
@@ -5354,7 +5457,7 @@
           <a:p>
             <a:fld id="{41E05DCA-1692-7445-8127-9BA0B7B9A0C2}" type="datetime1">
               <a:rPr lang="es-MX" smtClean="0"/>
-              <a:t>20/02/20</a:t>
+              <a:t>28/02/20</a:t>
             </a:fld>
             <a:endParaRPr lang="es-ES" dirty="0"/>
           </a:p>
@@ -5511,7 +5614,7 @@
           <a:p>
             <a:fld id="{41E05DCA-1692-7445-8127-9BA0B7B9A0C2}" type="datetime1">
               <a:rPr lang="es-MX" smtClean="0"/>
-              <a:t>20/02/20</a:t>
+              <a:t>28/02/20</a:t>
             </a:fld>
             <a:endParaRPr lang="es-ES" dirty="0"/>
           </a:p>
@@ -5691,7 +5794,7 @@
           <a:p>
             <a:fld id="{41E05DCA-1692-7445-8127-9BA0B7B9A0C2}" type="datetime1">
               <a:rPr lang="es-MX" smtClean="0"/>
-              <a:t>20/02/20</a:t>
+              <a:t>28/02/20</a:t>
             </a:fld>
             <a:endParaRPr lang="es-ES" dirty="0"/>
           </a:p>
@@ -5834,7 +5937,7 @@
           <a:p>
             <a:fld id="{41E05DCA-1692-7445-8127-9BA0B7B9A0C2}" type="datetime1">
               <a:rPr lang="es-MX" smtClean="0"/>
-              <a:t>20/02/20</a:t>
+              <a:t>28/02/20</a:t>
             </a:fld>
             <a:endParaRPr lang="es-ES" dirty="0"/>
           </a:p>
@@ -6070,7 +6173,7 @@
           <a:p>
             <a:fld id="{41E05DCA-1692-7445-8127-9BA0B7B9A0C2}" type="datetime1">
               <a:rPr lang="es-MX" smtClean="0"/>
-              <a:t>20/02/20</a:t>
+              <a:t>28/02/20</a:t>
             </a:fld>
             <a:endParaRPr lang="es-ES" dirty="0"/>
           </a:p>
